--- a/presentazione.pptx
+++ b/presentazione.pptx
@@ -13,9 +13,9 @@
     <p:sldId id="258" r:id="rId4"/>
     <p:sldId id="259" r:id="rId5"/>
     <p:sldId id="260" r:id="rId6"/>
-    <p:sldId id="261" r:id="rId7"/>
-    <p:sldId id="262" r:id="rId8"/>
-    <p:sldId id="263" r:id="rId9"/>
+    <p:sldId id="263" r:id="rId7"/>
+    <p:sldId id="261" r:id="rId8"/>
+    <p:sldId id="262" r:id="rId9"/>
     <p:sldId id="264" r:id="rId10"/>
     <p:sldId id="265" r:id="rId11"/>
     <p:sldId id="266" r:id="rId12"/>
@@ -126,6 +126,11 @@
       </a:defRPr>
     </a:lvl9pPr>
   </p:defaultTextStyle>
+  <p:extLst>
+    <p:ext uri="{EFAFB233-063F-42B5-8137-9DF3F51BA10A}">
+      <p15:sldGuideLst xmlns:p15="http://schemas.microsoft.com/office/powerpoint/2012/main"/>
+    </p:ext>
+  </p:extLst>
 </p:presentation>
 </file>
 
@@ -211,7 +216,7 @@
           <a:p>
             <a:fld id="{88DA310C-23A3-7647-A087-539F14D3F532}" type="datetimeFigureOut">
               <a:rPr lang="it-IT" smtClean="0"/>
-              <a:t>25/06/23</a:t>
+              <a:t>27/06/23</a:t>
             </a:fld>
             <a:endParaRPr lang="it-IT"/>
           </a:p>
@@ -709,7 +714,7 @@
           <a:p>
             <a:fld id="{8587DE71-2471-8442-9CE4-94034AFCA868}" type="datetimeFigureOut">
               <a:rPr lang="it-IT" smtClean="0"/>
-              <a:t>25/06/23</a:t>
+              <a:t>27/06/23</a:t>
             </a:fld>
             <a:endParaRPr lang="it-IT"/>
           </a:p>
@@ -907,7 +912,7 @@
           <a:p>
             <a:fld id="{8587DE71-2471-8442-9CE4-94034AFCA868}" type="datetimeFigureOut">
               <a:rPr lang="it-IT" smtClean="0"/>
-              <a:t>25/06/23</a:t>
+              <a:t>27/06/23</a:t>
             </a:fld>
             <a:endParaRPr lang="it-IT"/>
           </a:p>
@@ -1115,7 +1120,7 @@
           <a:p>
             <a:fld id="{8587DE71-2471-8442-9CE4-94034AFCA868}" type="datetimeFigureOut">
               <a:rPr lang="it-IT" smtClean="0"/>
-              <a:t>25/06/23</a:t>
+              <a:t>27/06/23</a:t>
             </a:fld>
             <a:endParaRPr lang="it-IT"/>
           </a:p>
@@ -1313,7 +1318,7 @@
           <a:p>
             <a:fld id="{8587DE71-2471-8442-9CE4-94034AFCA868}" type="datetimeFigureOut">
               <a:rPr lang="it-IT" smtClean="0"/>
-              <a:t>25/06/23</a:t>
+              <a:t>27/06/23</a:t>
             </a:fld>
             <a:endParaRPr lang="it-IT"/>
           </a:p>
@@ -1588,7 +1593,7 @@
           <a:p>
             <a:fld id="{8587DE71-2471-8442-9CE4-94034AFCA868}" type="datetimeFigureOut">
               <a:rPr lang="it-IT" smtClean="0"/>
-              <a:t>25/06/23</a:t>
+              <a:t>27/06/23</a:t>
             </a:fld>
             <a:endParaRPr lang="it-IT"/>
           </a:p>
@@ -1853,7 +1858,7 @@
           <a:p>
             <a:fld id="{8587DE71-2471-8442-9CE4-94034AFCA868}" type="datetimeFigureOut">
               <a:rPr lang="it-IT" smtClean="0"/>
-              <a:t>25/06/23</a:t>
+              <a:t>27/06/23</a:t>
             </a:fld>
             <a:endParaRPr lang="it-IT"/>
           </a:p>
@@ -2265,7 +2270,7 @@
           <a:p>
             <a:fld id="{8587DE71-2471-8442-9CE4-94034AFCA868}" type="datetimeFigureOut">
               <a:rPr lang="it-IT" smtClean="0"/>
-              <a:t>25/06/23</a:t>
+              <a:t>27/06/23</a:t>
             </a:fld>
             <a:endParaRPr lang="it-IT"/>
           </a:p>
@@ -2406,7 +2411,7 @@
           <a:p>
             <a:fld id="{8587DE71-2471-8442-9CE4-94034AFCA868}" type="datetimeFigureOut">
               <a:rPr lang="it-IT" smtClean="0"/>
-              <a:t>25/06/23</a:t>
+              <a:t>27/06/23</a:t>
             </a:fld>
             <a:endParaRPr lang="it-IT"/>
           </a:p>
@@ -2519,7 +2524,7 @@
           <a:p>
             <a:fld id="{8587DE71-2471-8442-9CE4-94034AFCA868}" type="datetimeFigureOut">
               <a:rPr lang="it-IT" smtClean="0"/>
-              <a:t>25/06/23</a:t>
+              <a:t>27/06/23</a:t>
             </a:fld>
             <a:endParaRPr lang="it-IT"/>
           </a:p>
@@ -2830,7 +2835,7 @@
           <a:p>
             <a:fld id="{8587DE71-2471-8442-9CE4-94034AFCA868}" type="datetimeFigureOut">
               <a:rPr lang="it-IT" smtClean="0"/>
-              <a:t>25/06/23</a:t>
+              <a:t>27/06/23</a:t>
             </a:fld>
             <a:endParaRPr lang="it-IT"/>
           </a:p>
@@ -3118,7 +3123,7 @@
           <a:p>
             <a:fld id="{8587DE71-2471-8442-9CE4-94034AFCA868}" type="datetimeFigureOut">
               <a:rPr lang="it-IT" smtClean="0"/>
-              <a:t>25/06/23</a:t>
+              <a:t>27/06/23</a:t>
             </a:fld>
             <a:endParaRPr lang="it-IT"/>
           </a:p>
@@ -3359,7 +3364,7 @@
           <a:p>
             <a:fld id="{8587DE71-2471-8442-9CE4-94034AFCA868}" type="datetimeFigureOut">
               <a:rPr lang="it-IT" smtClean="0"/>
-              <a:t>25/06/23</a:t>
+              <a:t>27/06/23</a:t>
             </a:fld>
             <a:endParaRPr lang="it-IT"/>
           </a:p>
@@ -9436,7 +9441,7 @@
           <p:cNvPr id="2" name="Titolo 1">
             <a:extLst>
               <a:ext uri="{FF2B5EF4-FFF2-40B4-BE49-F238E27FC236}">
-                <a16:creationId xmlns:a16="http://schemas.microsoft.com/office/drawing/2014/main" id="{A4048466-7907-2AD8-327B-A8DD76A8D30E}"/>
+                <a16:creationId xmlns:a16="http://schemas.microsoft.com/office/drawing/2014/main" id="{415B2CB6-0EAD-41CC-7B0F-DE07723E6BEE}"/>
               </a:ext>
             </a:extLst>
           </p:cNvPr>
@@ -9460,17 +9465,17 @@
                 <a:latin typeface="JetBrains Mono" panose="02000009000000000000" pitchFamily="49" charset="0"/>
                 <a:cs typeface="JetBrains Mono" panose="02000009000000000000" pitchFamily="49" charset="0"/>
               </a:rPr>
-              <a:t>Distribuzione dei colori</a:t>
+              <a:t>Tipi</a:t>
             </a:r>
           </a:p>
         </p:txBody>
       </p:sp>
       <p:pic>
         <p:nvPicPr>
-          <p:cNvPr id="5" name="Immagine 4" descr="Immagine che contiene grafico, grafico a torta&#10;&#10;Descrizione generata automaticamente">
-            <a:extLst>
-              <a:ext uri="{FF2B5EF4-FFF2-40B4-BE49-F238E27FC236}">
-                <a16:creationId xmlns:a16="http://schemas.microsoft.com/office/drawing/2014/main" id="{01CF8AD0-CACC-1A3E-4005-EE3902BA5D5D}"/>
+          <p:cNvPr id="5" name="Immagine 4" descr="Immagine che contiene testo&#10;&#10;Descrizione generata automaticamente">
+            <a:extLst>
+              <a:ext uri="{FF2B5EF4-FFF2-40B4-BE49-F238E27FC236}">
+                <a16:creationId xmlns:a16="http://schemas.microsoft.com/office/drawing/2014/main" id="{2E6DCF16-44DC-BFC6-102D-BBBC39EED136}"/>
               </a:ext>
             </a:extLst>
           </p:cNvPr>
@@ -9487,8 +9492,8 @@
         </p:blipFill>
         <p:spPr>
           <a:xfrm>
-            <a:off x="6466700" y="2018805"/>
-            <a:ext cx="5107956" cy="3997531"/>
+            <a:off x="7335579" y="1565708"/>
+            <a:ext cx="1563031" cy="2177078"/>
           </a:xfrm>
           <a:prstGeom prst="rect">
             <a:avLst/>
@@ -9497,10 +9502,10 @@
       </p:pic>
       <p:pic>
         <p:nvPicPr>
-          <p:cNvPr id="7" name="Immagine 6" descr="Immagine che contiene grafico&#10;&#10;Descrizione generata automaticamente">
-            <a:extLst>
-              <a:ext uri="{FF2B5EF4-FFF2-40B4-BE49-F238E27FC236}">
-                <a16:creationId xmlns:a16="http://schemas.microsoft.com/office/drawing/2014/main" id="{AE8C48CF-C842-CD60-BD2D-8F2E45493FE0}"/>
+          <p:cNvPr id="7" name="Immagine 6" descr="Immagine che contiene testo&#10;&#10;Descrizione generata automaticamente">
+            <a:extLst>
+              <a:ext uri="{FF2B5EF4-FFF2-40B4-BE49-F238E27FC236}">
+                <a16:creationId xmlns:a16="http://schemas.microsoft.com/office/drawing/2014/main" id="{DFDA8406-7F7C-5EC9-CF18-22B08566E3F2}"/>
               </a:ext>
             </a:extLst>
           </p:cNvPr>
@@ -9517,18 +9522,438 @@
         </p:blipFill>
         <p:spPr>
           <a:xfrm>
-            <a:off x="838200" y="2018805"/>
-            <a:ext cx="4887857" cy="4184568"/>
+            <a:off x="4074575" y="4203752"/>
+            <a:ext cx="1562373" cy="2177078"/>
           </a:xfrm>
           <a:prstGeom prst="rect">
             <a:avLst/>
           </a:prstGeom>
         </p:spPr>
       </p:pic>
+      <p:pic>
+        <p:nvPicPr>
+          <p:cNvPr id="9" name="Immagine 8" descr="Immagine che contiene testo, elettronica&#10;&#10;Descrizione generata automaticamente">
+            <a:extLst>
+              <a:ext uri="{FF2B5EF4-FFF2-40B4-BE49-F238E27FC236}">
+                <a16:creationId xmlns:a16="http://schemas.microsoft.com/office/drawing/2014/main" id="{E286FEAA-44A1-0012-C161-01C8CBB09C31}"/>
+              </a:ext>
+            </a:extLst>
+          </p:cNvPr>
+          <p:cNvPicPr>
+            <a:picLocks noChangeAspect="1"/>
+          </p:cNvPicPr>
+          <p:nvPr/>
+        </p:nvPicPr>
+        <p:blipFill>
+          <a:blip r:embed="rId4"/>
+          <a:stretch>
+            <a:fillRect/>
+          </a:stretch>
+        </p:blipFill>
+        <p:spPr>
+          <a:xfrm>
+            <a:off x="1272294" y="1565709"/>
+            <a:ext cx="1562373" cy="2177077"/>
+          </a:xfrm>
+          <a:prstGeom prst="rect">
+            <a:avLst/>
+          </a:prstGeom>
+        </p:spPr>
+      </p:pic>
+      <p:pic>
+        <p:nvPicPr>
+          <p:cNvPr id="11" name="Immagine 10" descr="Immagine che contiene testo&#10;&#10;Descrizione generata automaticamente">
+            <a:extLst>
+              <a:ext uri="{FF2B5EF4-FFF2-40B4-BE49-F238E27FC236}">
+                <a16:creationId xmlns:a16="http://schemas.microsoft.com/office/drawing/2014/main" id="{10EF7D19-50D9-1CA1-C160-E6BFE433AEAD}"/>
+              </a:ext>
+            </a:extLst>
+          </p:cNvPr>
+          <p:cNvPicPr>
+            <a:picLocks noChangeAspect="1"/>
+          </p:cNvPicPr>
+          <p:nvPr/>
+        </p:nvPicPr>
+        <p:blipFill>
+          <a:blip r:embed="rId5"/>
+          <a:stretch>
+            <a:fillRect/>
+          </a:stretch>
+        </p:blipFill>
+        <p:spPr>
+          <a:xfrm>
+            <a:off x="5314484" y="1565709"/>
+            <a:ext cx="1563031" cy="2177078"/>
+          </a:xfrm>
+          <a:prstGeom prst="rect">
+            <a:avLst/>
+          </a:prstGeom>
+        </p:spPr>
+      </p:pic>
+      <p:pic>
+        <p:nvPicPr>
+          <p:cNvPr id="13" name="Immagine 12" descr="Immagine che contiene testo, elettronica&#10;&#10;Descrizione generata automaticamente">
+            <a:extLst>
+              <a:ext uri="{FF2B5EF4-FFF2-40B4-BE49-F238E27FC236}">
+                <a16:creationId xmlns:a16="http://schemas.microsoft.com/office/drawing/2014/main" id="{D3CB0B30-E3A2-40CF-B9B8-EBFDAC6290CF}"/>
+              </a:ext>
+            </a:extLst>
+          </p:cNvPr>
+          <p:cNvPicPr>
+            <a:picLocks noChangeAspect="1"/>
+          </p:cNvPicPr>
+          <p:nvPr/>
+        </p:nvPicPr>
+        <p:blipFill>
+          <a:blip r:embed="rId6"/>
+          <a:stretch>
+            <a:fillRect/>
+          </a:stretch>
+        </p:blipFill>
+        <p:spPr>
+          <a:xfrm>
+            <a:off x="6674498" y="4203752"/>
+            <a:ext cx="1562373" cy="2177077"/>
+          </a:xfrm>
+          <a:prstGeom prst="rect">
+            <a:avLst/>
+          </a:prstGeom>
+        </p:spPr>
+      </p:pic>
+      <p:pic>
+        <p:nvPicPr>
+          <p:cNvPr id="15" name="Immagine 14" descr="Immagine che contiene testo, calendario&#10;&#10;Descrizione generata automaticamente">
+            <a:extLst>
+              <a:ext uri="{FF2B5EF4-FFF2-40B4-BE49-F238E27FC236}">
+                <a16:creationId xmlns:a16="http://schemas.microsoft.com/office/drawing/2014/main" id="{A64D578A-90FE-3409-84E2-BBD222B03491}"/>
+              </a:ext>
+            </a:extLst>
+          </p:cNvPr>
+          <p:cNvPicPr>
+            <a:picLocks noChangeAspect="1"/>
+          </p:cNvPicPr>
+          <p:nvPr/>
+        </p:nvPicPr>
+        <p:blipFill>
+          <a:blip r:embed="rId7"/>
+          <a:stretch>
+            <a:fillRect/>
+          </a:stretch>
+        </p:blipFill>
+        <p:spPr>
+          <a:xfrm>
+            <a:off x="3293389" y="1565709"/>
+            <a:ext cx="1562373" cy="2177077"/>
+          </a:xfrm>
+          <a:prstGeom prst="rect">
+            <a:avLst/>
+          </a:prstGeom>
+        </p:spPr>
+      </p:pic>
+      <p:pic>
+        <p:nvPicPr>
+          <p:cNvPr id="17" name="Immagine 16" descr="Immagine che contiene testo, portafotografie&#10;&#10;Descrizione generata automaticamente">
+            <a:extLst>
+              <a:ext uri="{FF2B5EF4-FFF2-40B4-BE49-F238E27FC236}">
+                <a16:creationId xmlns:a16="http://schemas.microsoft.com/office/drawing/2014/main" id="{87E1D557-082E-375F-A3A8-825CC1448A32}"/>
+              </a:ext>
+            </a:extLst>
+          </p:cNvPr>
+          <p:cNvPicPr>
+            <a:picLocks noChangeAspect="1"/>
+          </p:cNvPicPr>
+          <p:nvPr/>
+        </p:nvPicPr>
+        <p:blipFill>
+          <a:blip r:embed="rId8"/>
+          <a:stretch>
+            <a:fillRect/>
+          </a:stretch>
+        </p:blipFill>
+        <p:spPr>
+          <a:xfrm>
+            <a:off x="9356674" y="1565709"/>
+            <a:ext cx="1563030" cy="2177077"/>
+          </a:xfrm>
+          <a:prstGeom prst="rect">
+            <a:avLst/>
+          </a:prstGeom>
+        </p:spPr>
+      </p:pic>
+      <p:sp>
+        <p:nvSpPr>
+          <p:cNvPr id="18" name="CasellaDiTesto 17">
+            <a:extLst>
+              <a:ext uri="{FF2B5EF4-FFF2-40B4-BE49-F238E27FC236}">
+                <a16:creationId xmlns:a16="http://schemas.microsoft.com/office/drawing/2014/main" id="{644AF512-9A3E-8663-45B0-7CAF75C2B6F7}"/>
+              </a:ext>
+            </a:extLst>
+          </p:cNvPr>
+          <p:cNvSpPr txBox="1"/>
+          <p:nvPr/>
+        </p:nvSpPr>
+        <p:spPr>
+          <a:xfrm>
+            <a:off x="1724511" y="3787566"/>
+            <a:ext cx="721672" cy="307777"/>
+          </a:xfrm>
+          <a:prstGeom prst="rect">
+            <a:avLst/>
+          </a:prstGeom>
+          <a:noFill/>
+        </p:spPr>
+        <p:txBody>
+          <a:bodyPr wrap="none" rtlCol="0">
+            <a:spAutoFit/>
+          </a:bodyPr>
+          <a:lstStyle/>
+          <a:p>
+            <a:r>
+              <a:rPr lang="it-IT" sz="1400" dirty="0">
+                <a:latin typeface="JetBrains Mono" panose="02000009000000000000" pitchFamily="49" charset="0"/>
+                <a:cs typeface="JetBrains Mono" panose="02000009000000000000" pitchFamily="49" charset="0"/>
+              </a:rPr>
+              <a:t>Terra</a:t>
+            </a:r>
+          </a:p>
+        </p:txBody>
+      </p:sp>
+      <p:sp>
+        <p:nvSpPr>
+          <p:cNvPr id="19" name="CasellaDiTesto 18">
+            <a:extLst>
+              <a:ext uri="{FF2B5EF4-FFF2-40B4-BE49-F238E27FC236}">
+                <a16:creationId xmlns:a16="http://schemas.microsoft.com/office/drawing/2014/main" id="{B804C527-7780-2675-83DC-32C5CB95114C}"/>
+              </a:ext>
+            </a:extLst>
+          </p:cNvPr>
+          <p:cNvSpPr txBox="1"/>
+          <p:nvPr/>
+        </p:nvSpPr>
+        <p:spPr>
+          <a:xfrm>
+            <a:off x="3552637" y="3787515"/>
+            <a:ext cx="1043876" cy="307777"/>
+          </a:xfrm>
+          <a:prstGeom prst="rect">
+            <a:avLst/>
+          </a:prstGeom>
+          <a:noFill/>
+        </p:spPr>
+        <p:txBody>
+          <a:bodyPr wrap="none" rtlCol="0">
+            <a:spAutoFit/>
+          </a:bodyPr>
+          <a:lstStyle/>
+          <a:p>
+            <a:r>
+              <a:rPr lang="it-IT" sz="1400" dirty="0">
+                <a:latin typeface="JetBrains Mono" panose="02000009000000000000" pitchFamily="49" charset="0"/>
+                <a:cs typeface="JetBrains Mono" panose="02000009000000000000" pitchFamily="49" charset="0"/>
+              </a:rPr>
+              <a:t>Creatura</a:t>
+            </a:r>
+          </a:p>
+        </p:txBody>
+      </p:sp>
+      <p:sp>
+        <p:nvSpPr>
+          <p:cNvPr id="20" name="CasellaDiTesto 19">
+            <a:extLst>
+              <a:ext uri="{FF2B5EF4-FFF2-40B4-BE49-F238E27FC236}">
+                <a16:creationId xmlns:a16="http://schemas.microsoft.com/office/drawing/2014/main" id="{80968905-64B5-7F8D-94D1-8B32C66A59B6}"/>
+              </a:ext>
+            </a:extLst>
+          </p:cNvPr>
+          <p:cNvSpPr txBox="1"/>
+          <p:nvPr/>
+        </p:nvSpPr>
+        <p:spPr>
+          <a:xfrm>
+            <a:off x="5427806" y="3787515"/>
+            <a:ext cx="1366080" cy="307777"/>
+          </a:xfrm>
+          <a:prstGeom prst="rect">
+            <a:avLst/>
+          </a:prstGeom>
+          <a:noFill/>
+        </p:spPr>
+        <p:txBody>
+          <a:bodyPr wrap="none" rtlCol="0">
+            <a:spAutoFit/>
+          </a:bodyPr>
+          <a:lstStyle/>
+          <a:p>
+            <a:r>
+              <a:rPr lang="it-IT" sz="1400" dirty="0">
+                <a:latin typeface="JetBrains Mono" panose="02000009000000000000" pitchFamily="49" charset="0"/>
+                <a:cs typeface="JetBrains Mono" panose="02000009000000000000" pitchFamily="49" charset="0"/>
+              </a:rPr>
+              <a:t>Incantesimo</a:t>
+            </a:r>
+          </a:p>
+        </p:txBody>
+      </p:sp>
+      <p:sp>
+        <p:nvSpPr>
+          <p:cNvPr id="21" name="CasellaDiTesto 20">
+            <a:extLst>
+              <a:ext uri="{FF2B5EF4-FFF2-40B4-BE49-F238E27FC236}">
+                <a16:creationId xmlns:a16="http://schemas.microsoft.com/office/drawing/2014/main" id="{FED9FEF7-B9F6-32DB-49F3-74FA822440F4}"/>
+              </a:ext>
+            </a:extLst>
+          </p:cNvPr>
+          <p:cNvSpPr txBox="1"/>
+          <p:nvPr/>
+        </p:nvSpPr>
+        <p:spPr>
+          <a:xfrm>
+            <a:off x="7487755" y="3787514"/>
+            <a:ext cx="1258678" cy="307777"/>
+          </a:xfrm>
+          <a:prstGeom prst="rect">
+            <a:avLst/>
+          </a:prstGeom>
+          <a:noFill/>
+        </p:spPr>
+        <p:txBody>
+          <a:bodyPr wrap="none" rtlCol="0">
+            <a:spAutoFit/>
+          </a:bodyPr>
+          <a:lstStyle/>
+          <a:p>
+            <a:r>
+              <a:rPr lang="it-IT" sz="1400" dirty="0">
+                <a:latin typeface="JetBrains Mono" panose="02000009000000000000" pitchFamily="49" charset="0"/>
+                <a:cs typeface="JetBrains Mono" panose="02000009000000000000" pitchFamily="49" charset="0"/>
+              </a:rPr>
+              <a:t>Istantaneo</a:t>
+            </a:r>
+          </a:p>
+        </p:txBody>
+      </p:sp>
+      <p:sp>
+        <p:nvSpPr>
+          <p:cNvPr id="22" name="CasellaDiTesto 21">
+            <a:extLst>
+              <a:ext uri="{FF2B5EF4-FFF2-40B4-BE49-F238E27FC236}">
+                <a16:creationId xmlns:a16="http://schemas.microsoft.com/office/drawing/2014/main" id="{8796AFF1-123E-F7D6-1826-8B9100828A8C}"/>
+              </a:ext>
+            </a:extLst>
+          </p:cNvPr>
+          <p:cNvSpPr txBox="1"/>
+          <p:nvPr/>
+        </p:nvSpPr>
+        <p:spPr>
+          <a:xfrm>
+            <a:off x="9455149" y="3787514"/>
+            <a:ext cx="1366080" cy="307777"/>
+          </a:xfrm>
+          <a:prstGeom prst="rect">
+            <a:avLst/>
+          </a:prstGeom>
+          <a:noFill/>
+        </p:spPr>
+        <p:txBody>
+          <a:bodyPr wrap="none" rtlCol="0">
+            <a:spAutoFit/>
+          </a:bodyPr>
+          <a:lstStyle/>
+          <a:p>
+            <a:r>
+              <a:rPr lang="it-IT" sz="1400" dirty="0">
+                <a:latin typeface="JetBrains Mono" panose="02000009000000000000" pitchFamily="49" charset="0"/>
+                <a:cs typeface="JetBrains Mono" panose="02000009000000000000" pitchFamily="49" charset="0"/>
+              </a:rPr>
+              <a:t>Stregoneria</a:t>
+            </a:r>
+          </a:p>
+        </p:txBody>
+      </p:sp>
+      <p:sp>
+        <p:nvSpPr>
+          <p:cNvPr id="23" name="CasellaDiTesto 22">
+            <a:extLst>
+              <a:ext uri="{FF2B5EF4-FFF2-40B4-BE49-F238E27FC236}">
+                <a16:creationId xmlns:a16="http://schemas.microsoft.com/office/drawing/2014/main" id="{499F6262-0C39-D266-2F6B-C408D3BE4EA8}"/>
+              </a:ext>
+            </a:extLst>
+          </p:cNvPr>
+          <p:cNvSpPr txBox="1"/>
+          <p:nvPr/>
+        </p:nvSpPr>
+        <p:spPr>
+          <a:xfrm>
+            <a:off x="4119021" y="6454467"/>
+            <a:ext cx="1473480" cy="307777"/>
+          </a:xfrm>
+          <a:prstGeom prst="rect">
+            <a:avLst/>
+          </a:prstGeom>
+          <a:noFill/>
+        </p:spPr>
+        <p:txBody>
+          <a:bodyPr wrap="none" rtlCol="0">
+            <a:spAutoFit/>
+          </a:bodyPr>
+          <a:lstStyle/>
+          <a:p>
+            <a:r>
+              <a:rPr lang="it-IT" sz="1400" dirty="0" err="1">
+                <a:latin typeface="JetBrains Mono" panose="02000009000000000000" pitchFamily="49" charset="0"/>
+                <a:cs typeface="JetBrains Mono" panose="02000009000000000000" pitchFamily="49" charset="0"/>
+              </a:rPr>
+              <a:t>Planeswalker</a:t>
+            </a:r>
+            <a:endParaRPr lang="it-IT" sz="1400" dirty="0">
+              <a:latin typeface="JetBrains Mono" panose="02000009000000000000" pitchFamily="49" charset="0"/>
+              <a:cs typeface="JetBrains Mono" panose="02000009000000000000" pitchFamily="49" charset="0"/>
+            </a:endParaRPr>
+          </a:p>
+        </p:txBody>
+      </p:sp>
+      <p:sp>
+        <p:nvSpPr>
+          <p:cNvPr id="24" name="CasellaDiTesto 23">
+            <a:extLst>
+              <a:ext uri="{FF2B5EF4-FFF2-40B4-BE49-F238E27FC236}">
+                <a16:creationId xmlns:a16="http://schemas.microsoft.com/office/drawing/2014/main" id="{B01463EB-E5AF-2279-28B0-98947F8FEE42}"/>
+              </a:ext>
+            </a:extLst>
+          </p:cNvPr>
+          <p:cNvSpPr txBox="1"/>
+          <p:nvPr/>
+        </p:nvSpPr>
+        <p:spPr>
+          <a:xfrm>
+            <a:off x="6880045" y="6454467"/>
+            <a:ext cx="1151277" cy="307777"/>
+          </a:xfrm>
+          <a:prstGeom prst="rect">
+            <a:avLst/>
+          </a:prstGeom>
+          <a:noFill/>
+        </p:spPr>
+        <p:txBody>
+          <a:bodyPr wrap="none" rtlCol="0">
+            <a:spAutoFit/>
+          </a:bodyPr>
+          <a:lstStyle/>
+          <a:p>
+            <a:r>
+              <a:rPr lang="it-IT" sz="1400" dirty="0">
+                <a:latin typeface="JetBrains Mono" panose="02000009000000000000" pitchFamily="49" charset="0"/>
+                <a:cs typeface="JetBrains Mono" panose="02000009000000000000" pitchFamily="49" charset="0"/>
+              </a:rPr>
+              <a:t>Artefatto</a:t>
+            </a:r>
+          </a:p>
+        </p:txBody>
+      </p:sp>
     </p:spTree>
     <p:extLst>
       <p:ext uri="{BB962C8B-B14F-4D97-AF65-F5344CB8AC3E}">
-        <p14:creationId xmlns:p14="http://schemas.microsoft.com/office/powerpoint/2010/main" val="1863766934"/>
+        <p14:creationId xmlns:p14="http://schemas.microsoft.com/office/powerpoint/2010/main" val="931803754"/>
       </p:ext>
     </p:extLst>
   </p:cSld>
@@ -9555,12 +9980,46 @@
           <a:chExt cx="0" cy="0"/>
         </a:xfrm>
       </p:grpSpPr>
+      <p:sp>
+        <p:nvSpPr>
+          <p:cNvPr id="2" name="Titolo 1">
+            <a:extLst>
+              <a:ext uri="{FF2B5EF4-FFF2-40B4-BE49-F238E27FC236}">
+                <a16:creationId xmlns:a16="http://schemas.microsoft.com/office/drawing/2014/main" id="{A4048466-7907-2AD8-327B-A8DD76A8D30E}"/>
+              </a:ext>
+            </a:extLst>
+          </p:cNvPr>
+          <p:cNvSpPr>
+            <a:spLocks noGrp="1"/>
+          </p:cNvSpPr>
+          <p:nvPr>
+            <p:ph type="title"/>
+          </p:nvPr>
+        </p:nvSpPr>
+        <p:spPr/>
+        <p:txBody>
+          <a:bodyPr/>
+          <a:lstStyle/>
+          <a:p>
+            <a:r>
+              <a:rPr lang="it-IT" dirty="0">
+                <a:solidFill>
+                  <a:srgbClr val="FF5952"/>
+                </a:solidFill>
+                <a:latin typeface="JetBrains Mono" panose="02000009000000000000" pitchFamily="49" charset="0"/>
+                <a:cs typeface="JetBrains Mono" panose="02000009000000000000" pitchFamily="49" charset="0"/>
+              </a:rPr>
+              <a:t>Distribuzione dei colori</a:t>
+            </a:r>
+          </a:p>
+        </p:txBody>
+      </p:sp>
       <p:pic>
         <p:nvPicPr>
-          <p:cNvPr id="7" name="Immagine 6" descr="Immagine che contiene grafico&#10;&#10;Descrizione generata automaticamente">
-            <a:extLst>
-              <a:ext uri="{FF2B5EF4-FFF2-40B4-BE49-F238E27FC236}">
-                <a16:creationId xmlns:a16="http://schemas.microsoft.com/office/drawing/2014/main" id="{2A6ED040-85DD-4EC1-6B8C-904356683F3E}"/>
+          <p:cNvPr id="5" name="Immagine 4" descr="Immagine che contiene grafico, grafico a torta&#10;&#10;Descrizione generata automaticamente">
+            <a:extLst>
+              <a:ext uri="{FF2B5EF4-FFF2-40B4-BE49-F238E27FC236}">
+                <a16:creationId xmlns:a16="http://schemas.microsoft.com/office/drawing/2014/main" id="{01CF8AD0-CACC-1A3E-4005-EE3902BA5D5D}"/>
               </a:ext>
             </a:extLst>
           </p:cNvPr>
@@ -9577,8 +10036,38 @@
         </p:blipFill>
         <p:spPr>
           <a:xfrm>
-            <a:off x="428522" y="261880"/>
-            <a:ext cx="11334955" cy="6334240"/>
+            <a:off x="6466700" y="2018805"/>
+            <a:ext cx="5107956" cy="3997531"/>
+          </a:xfrm>
+          <a:prstGeom prst="rect">
+            <a:avLst/>
+          </a:prstGeom>
+        </p:spPr>
+      </p:pic>
+      <p:pic>
+        <p:nvPicPr>
+          <p:cNvPr id="7" name="Immagine 6" descr="Immagine che contiene grafico&#10;&#10;Descrizione generata automaticamente">
+            <a:extLst>
+              <a:ext uri="{FF2B5EF4-FFF2-40B4-BE49-F238E27FC236}">
+                <a16:creationId xmlns:a16="http://schemas.microsoft.com/office/drawing/2014/main" id="{AE8C48CF-C842-CD60-BD2D-8F2E45493FE0}"/>
+              </a:ext>
+            </a:extLst>
+          </p:cNvPr>
+          <p:cNvPicPr>
+            <a:picLocks noChangeAspect="1"/>
+          </p:cNvPicPr>
+          <p:nvPr/>
+        </p:nvPicPr>
+        <p:blipFill>
+          <a:blip r:embed="rId3"/>
+          <a:stretch>
+            <a:fillRect/>
+          </a:stretch>
+        </p:blipFill>
+        <p:spPr>
+          <a:xfrm>
+            <a:off x="838200" y="2018805"/>
+            <a:ext cx="4887857" cy="4184568"/>
           </a:xfrm>
           <a:prstGeom prst="rect">
             <a:avLst/>
@@ -9588,7 +10077,7 @@
     </p:spTree>
     <p:extLst>
       <p:ext uri="{BB962C8B-B14F-4D97-AF65-F5344CB8AC3E}">
-        <p14:creationId xmlns:p14="http://schemas.microsoft.com/office/powerpoint/2010/main" val="373246411"/>
+        <p14:creationId xmlns:p14="http://schemas.microsoft.com/office/powerpoint/2010/main" val="1863766934"/>
       </p:ext>
     </p:extLst>
   </p:cSld>
@@ -9615,46 +10104,12 @@
           <a:chExt cx="0" cy="0"/>
         </a:xfrm>
       </p:grpSpPr>
-      <p:sp>
-        <p:nvSpPr>
-          <p:cNvPr id="2" name="Titolo 1">
-            <a:extLst>
-              <a:ext uri="{FF2B5EF4-FFF2-40B4-BE49-F238E27FC236}">
-                <a16:creationId xmlns:a16="http://schemas.microsoft.com/office/drawing/2014/main" id="{415B2CB6-0EAD-41CC-7B0F-DE07723E6BEE}"/>
-              </a:ext>
-            </a:extLst>
-          </p:cNvPr>
-          <p:cNvSpPr>
-            <a:spLocks noGrp="1"/>
-          </p:cNvSpPr>
-          <p:nvPr>
-            <p:ph type="title"/>
-          </p:nvPr>
-        </p:nvSpPr>
-        <p:spPr/>
-        <p:txBody>
-          <a:bodyPr/>
-          <a:lstStyle/>
-          <a:p>
-            <a:r>
-              <a:rPr lang="it-IT" dirty="0">
-                <a:solidFill>
-                  <a:srgbClr val="FF5952"/>
-                </a:solidFill>
-                <a:latin typeface="JetBrains Mono" panose="02000009000000000000" pitchFamily="49" charset="0"/>
-                <a:cs typeface="JetBrains Mono" panose="02000009000000000000" pitchFamily="49" charset="0"/>
-              </a:rPr>
-              <a:t>Tipi</a:t>
-            </a:r>
-          </a:p>
-        </p:txBody>
-      </p:sp>
       <p:pic>
         <p:nvPicPr>
-          <p:cNvPr id="5" name="Immagine 4" descr="Immagine che contiene testo&#10;&#10;Descrizione generata automaticamente">
-            <a:extLst>
-              <a:ext uri="{FF2B5EF4-FFF2-40B4-BE49-F238E27FC236}">
-                <a16:creationId xmlns:a16="http://schemas.microsoft.com/office/drawing/2014/main" id="{2E6DCF16-44DC-BFC6-102D-BBBC39EED136}"/>
+          <p:cNvPr id="7" name="Immagine 6" descr="Immagine che contiene grafico&#10;&#10;Descrizione generata automaticamente">
+            <a:extLst>
+              <a:ext uri="{FF2B5EF4-FFF2-40B4-BE49-F238E27FC236}">
+                <a16:creationId xmlns:a16="http://schemas.microsoft.com/office/drawing/2014/main" id="{2A6ED040-85DD-4EC1-6B8C-904356683F3E}"/>
               </a:ext>
             </a:extLst>
           </p:cNvPr>
@@ -9671,468 +10126,18 @@
         </p:blipFill>
         <p:spPr>
           <a:xfrm>
-            <a:off x="7335579" y="1565708"/>
-            <a:ext cx="1563031" cy="2177078"/>
+            <a:off x="428522" y="261880"/>
+            <a:ext cx="11334955" cy="6334240"/>
           </a:xfrm>
           <a:prstGeom prst="rect">
             <a:avLst/>
           </a:prstGeom>
         </p:spPr>
       </p:pic>
-      <p:pic>
-        <p:nvPicPr>
-          <p:cNvPr id="7" name="Immagine 6" descr="Immagine che contiene testo&#10;&#10;Descrizione generata automaticamente">
-            <a:extLst>
-              <a:ext uri="{FF2B5EF4-FFF2-40B4-BE49-F238E27FC236}">
-                <a16:creationId xmlns:a16="http://schemas.microsoft.com/office/drawing/2014/main" id="{DFDA8406-7F7C-5EC9-CF18-22B08566E3F2}"/>
-              </a:ext>
-            </a:extLst>
-          </p:cNvPr>
-          <p:cNvPicPr>
-            <a:picLocks noChangeAspect="1"/>
-          </p:cNvPicPr>
-          <p:nvPr/>
-        </p:nvPicPr>
-        <p:blipFill>
-          <a:blip r:embed="rId3"/>
-          <a:stretch>
-            <a:fillRect/>
-          </a:stretch>
-        </p:blipFill>
-        <p:spPr>
-          <a:xfrm>
-            <a:off x="4074575" y="4203752"/>
-            <a:ext cx="1562373" cy="2177078"/>
-          </a:xfrm>
-          <a:prstGeom prst="rect">
-            <a:avLst/>
-          </a:prstGeom>
-        </p:spPr>
-      </p:pic>
-      <p:pic>
-        <p:nvPicPr>
-          <p:cNvPr id="9" name="Immagine 8" descr="Immagine che contiene testo, elettronica&#10;&#10;Descrizione generata automaticamente">
-            <a:extLst>
-              <a:ext uri="{FF2B5EF4-FFF2-40B4-BE49-F238E27FC236}">
-                <a16:creationId xmlns:a16="http://schemas.microsoft.com/office/drawing/2014/main" id="{E286FEAA-44A1-0012-C161-01C8CBB09C31}"/>
-              </a:ext>
-            </a:extLst>
-          </p:cNvPr>
-          <p:cNvPicPr>
-            <a:picLocks noChangeAspect="1"/>
-          </p:cNvPicPr>
-          <p:nvPr/>
-        </p:nvPicPr>
-        <p:blipFill>
-          <a:blip r:embed="rId4"/>
-          <a:stretch>
-            <a:fillRect/>
-          </a:stretch>
-        </p:blipFill>
-        <p:spPr>
-          <a:xfrm>
-            <a:off x="1272294" y="1565709"/>
-            <a:ext cx="1562373" cy="2177077"/>
-          </a:xfrm>
-          <a:prstGeom prst="rect">
-            <a:avLst/>
-          </a:prstGeom>
-        </p:spPr>
-      </p:pic>
-      <p:pic>
-        <p:nvPicPr>
-          <p:cNvPr id="11" name="Immagine 10" descr="Immagine che contiene testo&#10;&#10;Descrizione generata automaticamente">
-            <a:extLst>
-              <a:ext uri="{FF2B5EF4-FFF2-40B4-BE49-F238E27FC236}">
-                <a16:creationId xmlns:a16="http://schemas.microsoft.com/office/drawing/2014/main" id="{10EF7D19-50D9-1CA1-C160-E6BFE433AEAD}"/>
-              </a:ext>
-            </a:extLst>
-          </p:cNvPr>
-          <p:cNvPicPr>
-            <a:picLocks noChangeAspect="1"/>
-          </p:cNvPicPr>
-          <p:nvPr/>
-        </p:nvPicPr>
-        <p:blipFill>
-          <a:blip r:embed="rId5"/>
-          <a:stretch>
-            <a:fillRect/>
-          </a:stretch>
-        </p:blipFill>
-        <p:spPr>
-          <a:xfrm>
-            <a:off x="5314484" y="1565709"/>
-            <a:ext cx="1563031" cy="2177078"/>
-          </a:xfrm>
-          <a:prstGeom prst="rect">
-            <a:avLst/>
-          </a:prstGeom>
-        </p:spPr>
-      </p:pic>
-      <p:pic>
-        <p:nvPicPr>
-          <p:cNvPr id="13" name="Immagine 12" descr="Immagine che contiene testo, elettronica&#10;&#10;Descrizione generata automaticamente">
-            <a:extLst>
-              <a:ext uri="{FF2B5EF4-FFF2-40B4-BE49-F238E27FC236}">
-                <a16:creationId xmlns:a16="http://schemas.microsoft.com/office/drawing/2014/main" id="{D3CB0B30-E3A2-40CF-B9B8-EBFDAC6290CF}"/>
-              </a:ext>
-            </a:extLst>
-          </p:cNvPr>
-          <p:cNvPicPr>
-            <a:picLocks noChangeAspect="1"/>
-          </p:cNvPicPr>
-          <p:nvPr/>
-        </p:nvPicPr>
-        <p:blipFill>
-          <a:blip r:embed="rId6"/>
-          <a:stretch>
-            <a:fillRect/>
-          </a:stretch>
-        </p:blipFill>
-        <p:spPr>
-          <a:xfrm>
-            <a:off x="6674498" y="4203752"/>
-            <a:ext cx="1562373" cy="2177077"/>
-          </a:xfrm>
-          <a:prstGeom prst="rect">
-            <a:avLst/>
-          </a:prstGeom>
-        </p:spPr>
-      </p:pic>
-      <p:pic>
-        <p:nvPicPr>
-          <p:cNvPr id="15" name="Immagine 14" descr="Immagine che contiene testo, calendario&#10;&#10;Descrizione generata automaticamente">
-            <a:extLst>
-              <a:ext uri="{FF2B5EF4-FFF2-40B4-BE49-F238E27FC236}">
-                <a16:creationId xmlns:a16="http://schemas.microsoft.com/office/drawing/2014/main" id="{A64D578A-90FE-3409-84E2-BBD222B03491}"/>
-              </a:ext>
-            </a:extLst>
-          </p:cNvPr>
-          <p:cNvPicPr>
-            <a:picLocks noChangeAspect="1"/>
-          </p:cNvPicPr>
-          <p:nvPr/>
-        </p:nvPicPr>
-        <p:blipFill>
-          <a:blip r:embed="rId7"/>
-          <a:stretch>
-            <a:fillRect/>
-          </a:stretch>
-        </p:blipFill>
-        <p:spPr>
-          <a:xfrm>
-            <a:off x="3293389" y="1565709"/>
-            <a:ext cx="1562373" cy="2177077"/>
-          </a:xfrm>
-          <a:prstGeom prst="rect">
-            <a:avLst/>
-          </a:prstGeom>
-        </p:spPr>
-      </p:pic>
-      <p:pic>
-        <p:nvPicPr>
-          <p:cNvPr id="17" name="Immagine 16" descr="Immagine che contiene testo, portafotografie&#10;&#10;Descrizione generata automaticamente">
-            <a:extLst>
-              <a:ext uri="{FF2B5EF4-FFF2-40B4-BE49-F238E27FC236}">
-                <a16:creationId xmlns:a16="http://schemas.microsoft.com/office/drawing/2014/main" id="{87E1D557-082E-375F-A3A8-825CC1448A32}"/>
-              </a:ext>
-            </a:extLst>
-          </p:cNvPr>
-          <p:cNvPicPr>
-            <a:picLocks noChangeAspect="1"/>
-          </p:cNvPicPr>
-          <p:nvPr/>
-        </p:nvPicPr>
-        <p:blipFill>
-          <a:blip r:embed="rId8"/>
-          <a:stretch>
-            <a:fillRect/>
-          </a:stretch>
-        </p:blipFill>
-        <p:spPr>
-          <a:xfrm>
-            <a:off x="9356674" y="1565709"/>
-            <a:ext cx="1563030" cy="2177077"/>
-          </a:xfrm>
-          <a:prstGeom prst="rect">
-            <a:avLst/>
-          </a:prstGeom>
-        </p:spPr>
-      </p:pic>
-      <p:sp>
-        <p:nvSpPr>
-          <p:cNvPr id="18" name="CasellaDiTesto 17">
-            <a:extLst>
-              <a:ext uri="{FF2B5EF4-FFF2-40B4-BE49-F238E27FC236}">
-                <a16:creationId xmlns:a16="http://schemas.microsoft.com/office/drawing/2014/main" id="{644AF512-9A3E-8663-45B0-7CAF75C2B6F7}"/>
-              </a:ext>
-            </a:extLst>
-          </p:cNvPr>
-          <p:cNvSpPr txBox="1"/>
-          <p:nvPr/>
-        </p:nvSpPr>
-        <p:spPr>
-          <a:xfrm>
-            <a:off x="1724511" y="3787566"/>
-            <a:ext cx="721672" cy="307777"/>
-          </a:xfrm>
-          <a:prstGeom prst="rect">
-            <a:avLst/>
-          </a:prstGeom>
-          <a:noFill/>
-        </p:spPr>
-        <p:txBody>
-          <a:bodyPr wrap="none" rtlCol="0">
-            <a:spAutoFit/>
-          </a:bodyPr>
-          <a:lstStyle/>
-          <a:p>
-            <a:r>
-              <a:rPr lang="it-IT" sz="1400" dirty="0">
-                <a:latin typeface="JetBrains Mono" panose="02000009000000000000" pitchFamily="49" charset="0"/>
-                <a:cs typeface="JetBrains Mono" panose="02000009000000000000" pitchFamily="49" charset="0"/>
-              </a:rPr>
-              <a:t>Terra</a:t>
-            </a:r>
-          </a:p>
-        </p:txBody>
-      </p:sp>
-      <p:sp>
-        <p:nvSpPr>
-          <p:cNvPr id="19" name="CasellaDiTesto 18">
-            <a:extLst>
-              <a:ext uri="{FF2B5EF4-FFF2-40B4-BE49-F238E27FC236}">
-                <a16:creationId xmlns:a16="http://schemas.microsoft.com/office/drawing/2014/main" id="{B804C527-7780-2675-83DC-32C5CB95114C}"/>
-              </a:ext>
-            </a:extLst>
-          </p:cNvPr>
-          <p:cNvSpPr txBox="1"/>
-          <p:nvPr/>
-        </p:nvSpPr>
-        <p:spPr>
-          <a:xfrm>
-            <a:off x="3552637" y="3787515"/>
-            <a:ext cx="1043876" cy="307777"/>
-          </a:xfrm>
-          <a:prstGeom prst="rect">
-            <a:avLst/>
-          </a:prstGeom>
-          <a:noFill/>
-        </p:spPr>
-        <p:txBody>
-          <a:bodyPr wrap="none" rtlCol="0">
-            <a:spAutoFit/>
-          </a:bodyPr>
-          <a:lstStyle/>
-          <a:p>
-            <a:r>
-              <a:rPr lang="it-IT" sz="1400" dirty="0">
-                <a:latin typeface="JetBrains Mono" panose="02000009000000000000" pitchFamily="49" charset="0"/>
-                <a:cs typeface="JetBrains Mono" panose="02000009000000000000" pitchFamily="49" charset="0"/>
-              </a:rPr>
-              <a:t>Creatura</a:t>
-            </a:r>
-          </a:p>
-        </p:txBody>
-      </p:sp>
-      <p:sp>
-        <p:nvSpPr>
-          <p:cNvPr id="20" name="CasellaDiTesto 19">
-            <a:extLst>
-              <a:ext uri="{FF2B5EF4-FFF2-40B4-BE49-F238E27FC236}">
-                <a16:creationId xmlns:a16="http://schemas.microsoft.com/office/drawing/2014/main" id="{80968905-64B5-7F8D-94D1-8B32C66A59B6}"/>
-              </a:ext>
-            </a:extLst>
-          </p:cNvPr>
-          <p:cNvSpPr txBox="1"/>
-          <p:nvPr/>
-        </p:nvSpPr>
-        <p:spPr>
-          <a:xfrm>
-            <a:off x="5427806" y="3787515"/>
-            <a:ext cx="1366080" cy="307777"/>
-          </a:xfrm>
-          <a:prstGeom prst="rect">
-            <a:avLst/>
-          </a:prstGeom>
-          <a:noFill/>
-        </p:spPr>
-        <p:txBody>
-          <a:bodyPr wrap="none" rtlCol="0">
-            <a:spAutoFit/>
-          </a:bodyPr>
-          <a:lstStyle/>
-          <a:p>
-            <a:r>
-              <a:rPr lang="it-IT" sz="1400" dirty="0">
-                <a:latin typeface="JetBrains Mono" panose="02000009000000000000" pitchFamily="49" charset="0"/>
-                <a:cs typeface="JetBrains Mono" panose="02000009000000000000" pitchFamily="49" charset="0"/>
-              </a:rPr>
-              <a:t>Incantesimo</a:t>
-            </a:r>
-          </a:p>
-        </p:txBody>
-      </p:sp>
-      <p:sp>
-        <p:nvSpPr>
-          <p:cNvPr id="21" name="CasellaDiTesto 20">
-            <a:extLst>
-              <a:ext uri="{FF2B5EF4-FFF2-40B4-BE49-F238E27FC236}">
-                <a16:creationId xmlns:a16="http://schemas.microsoft.com/office/drawing/2014/main" id="{FED9FEF7-B9F6-32DB-49F3-74FA822440F4}"/>
-              </a:ext>
-            </a:extLst>
-          </p:cNvPr>
-          <p:cNvSpPr txBox="1"/>
-          <p:nvPr/>
-        </p:nvSpPr>
-        <p:spPr>
-          <a:xfrm>
-            <a:off x="7487755" y="3787514"/>
-            <a:ext cx="1258678" cy="307777"/>
-          </a:xfrm>
-          <a:prstGeom prst="rect">
-            <a:avLst/>
-          </a:prstGeom>
-          <a:noFill/>
-        </p:spPr>
-        <p:txBody>
-          <a:bodyPr wrap="none" rtlCol="0">
-            <a:spAutoFit/>
-          </a:bodyPr>
-          <a:lstStyle/>
-          <a:p>
-            <a:r>
-              <a:rPr lang="it-IT" sz="1400" dirty="0">
-                <a:latin typeface="JetBrains Mono" panose="02000009000000000000" pitchFamily="49" charset="0"/>
-                <a:cs typeface="JetBrains Mono" panose="02000009000000000000" pitchFamily="49" charset="0"/>
-              </a:rPr>
-              <a:t>Istantaneo</a:t>
-            </a:r>
-          </a:p>
-        </p:txBody>
-      </p:sp>
-      <p:sp>
-        <p:nvSpPr>
-          <p:cNvPr id="22" name="CasellaDiTesto 21">
-            <a:extLst>
-              <a:ext uri="{FF2B5EF4-FFF2-40B4-BE49-F238E27FC236}">
-                <a16:creationId xmlns:a16="http://schemas.microsoft.com/office/drawing/2014/main" id="{8796AFF1-123E-F7D6-1826-8B9100828A8C}"/>
-              </a:ext>
-            </a:extLst>
-          </p:cNvPr>
-          <p:cNvSpPr txBox="1"/>
-          <p:nvPr/>
-        </p:nvSpPr>
-        <p:spPr>
-          <a:xfrm>
-            <a:off x="9455149" y="3787514"/>
-            <a:ext cx="1366080" cy="307777"/>
-          </a:xfrm>
-          <a:prstGeom prst="rect">
-            <a:avLst/>
-          </a:prstGeom>
-          <a:noFill/>
-        </p:spPr>
-        <p:txBody>
-          <a:bodyPr wrap="none" rtlCol="0">
-            <a:spAutoFit/>
-          </a:bodyPr>
-          <a:lstStyle/>
-          <a:p>
-            <a:r>
-              <a:rPr lang="it-IT" sz="1400" dirty="0">
-                <a:latin typeface="JetBrains Mono" panose="02000009000000000000" pitchFamily="49" charset="0"/>
-                <a:cs typeface="JetBrains Mono" panose="02000009000000000000" pitchFamily="49" charset="0"/>
-              </a:rPr>
-              <a:t>Stregoneria</a:t>
-            </a:r>
-          </a:p>
-        </p:txBody>
-      </p:sp>
-      <p:sp>
-        <p:nvSpPr>
-          <p:cNvPr id="23" name="CasellaDiTesto 22">
-            <a:extLst>
-              <a:ext uri="{FF2B5EF4-FFF2-40B4-BE49-F238E27FC236}">
-                <a16:creationId xmlns:a16="http://schemas.microsoft.com/office/drawing/2014/main" id="{499F6262-0C39-D266-2F6B-C408D3BE4EA8}"/>
-              </a:ext>
-            </a:extLst>
-          </p:cNvPr>
-          <p:cNvSpPr txBox="1"/>
-          <p:nvPr/>
-        </p:nvSpPr>
-        <p:spPr>
-          <a:xfrm>
-            <a:off x="4119021" y="6454467"/>
-            <a:ext cx="1473480" cy="307777"/>
-          </a:xfrm>
-          <a:prstGeom prst="rect">
-            <a:avLst/>
-          </a:prstGeom>
-          <a:noFill/>
-        </p:spPr>
-        <p:txBody>
-          <a:bodyPr wrap="none" rtlCol="0">
-            <a:spAutoFit/>
-          </a:bodyPr>
-          <a:lstStyle/>
-          <a:p>
-            <a:r>
-              <a:rPr lang="it-IT" sz="1400" dirty="0" err="1">
-                <a:latin typeface="JetBrains Mono" panose="02000009000000000000" pitchFamily="49" charset="0"/>
-                <a:cs typeface="JetBrains Mono" panose="02000009000000000000" pitchFamily="49" charset="0"/>
-              </a:rPr>
-              <a:t>Planeswalker</a:t>
-            </a:r>
-            <a:endParaRPr lang="it-IT" sz="1400" dirty="0">
-              <a:latin typeface="JetBrains Mono" panose="02000009000000000000" pitchFamily="49" charset="0"/>
-              <a:cs typeface="JetBrains Mono" panose="02000009000000000000" pitchFamily="49" charset="0"/>
-            </a:endParaRPr>
-          </a:p>
-        </p:txBody>
-      </p:sp>
-      <p:sp>
-        <p:nvSpPr>
-          <p:cNvPr id="24" name="CasellaDiTesto 23">
-            <a:extLst>
-              <a:ext uri="{FF2B5EF4-FFF2-40B4-BE49-F238E27FC236}">
-                <a16:creationId xmlns:a16="http://schemas.microsoft.com/office/drawing/2014/main" id="{B01463EB-E5AF-2279-28B0-98947F8FEE42}"/>
-              </a:ext>
-            </a:extLst>
-          </p:cNvPr>
-          <p:cNvSpPr txBox="1"/>
-          <p:nvPr/>
-        </p:nvSpPr>
-        <p:spPr>
-          <a:xfrm>
-            <a:off x="6880045" y="6454467"/>
-            <a:ext cx="1151277" cy="307777"/>
-          </a:xfrm>
-          <a:prstGeom prst="rect">
-            <a:avLst/>
-          </a:prstGeom>
-          <a:noFill/>
-        </p:spPr>
-        <p:txBody>
-          <a:bodyPr wrap="none" rtlCol="0">
-            <a:spAutoFit/>
-          </a:bodyPr>
-          <a:lstStyle/>
-          <a:p>
-            <a:r>
-              <a:rPr lang="it-IT" sz="1400" dirty="0">
-                <a:latin typeface="JetBrains Mono" panose="02000009000000000000" pitchFamily="49" charset="0"/>
-                <a:cs typeface="JetBrains Mono" panose="02000009000000000000" pitchFamily="49" charset="0"/>
-              </a:rPr>
-              <a:t>Artefatto</a:t>
-            </a:r>
-          </a:p>
-        </p:txBody>
-      </p:sp>
     </p:spTree>
     <p:extLst>
       <p:ext uri="{BB962C8B-B14F-4D97-AF65-F5344CB8AC3E}">
-        <p14:creationId xmlns:p14="http://schemas.microsoft.com/office/powerpoint/2010/main" val="931803754"/>
+        <p14:creationId xmlns:p14="http://schemas.microsoft.com/office/powerpoint/2010/main" val="373246411"/>
       </p:ext>
     </p:extLst>
   </p:cSld>

--- a/presentazione.pptx
+++ b/presentazione.pptx
@@ -216,7 +216,7 @@
           <a:p>
             <a:fld id="{88DA310C-23A3-7647-A087-539F14D3F532}" type="datetimeFigureOut">
               <a:rPr lang="it-IT" smtClean="0"/>
-              <a:t>27/06/23</a:t>
+              <a:t>08/07/23</a:t>
             </a:fld>
             <a:endParaRPr lang="it-IT"/>
           </a:p>
@@ -714,7 +714,7 @@
           <a:p>
             <a:fld id="{8587DE71-2471-8442-9CE4-94034AFCA868}" type="datetimeFigureOut">
               <a:rPr lang="it-IT" smtClean="0"/>
-              <a:t>27/06/23</a:t>
+              <a:t>08/07/23</a:t>
             </a:fld>
             <a:endParaRPr lang="it-IT"/>
           </a:p>
@@ -912,7 +912,7 @@
           <a:p>
             <a:fld id="{8587DE71-2471-8442-9CE4-94034AFCA868}" type="datetimeFigureOut">
               <a:rPr lang="it-IT" smtClean="0"/>
-              <a:t>27/06/23</a:t>
+              <a:t>08/07/23</a:t>
             </a:fld>
             <a:endParaRPr lang="it-IT"/>
           </a:p>
@@ -1120,7 +1120,7 @@
           <a:p>
             <a:fld id="{8587DE71-2471-8442-9CE4-94034AFCA868}" type="datetimeFigureOut">
               <a:rPr lang="it-IT" smtClean="0"/>
-              <a:t>27/06/23</a:t>
+              <a:t>08/07/23</a:t>
             </a:fld>
             <a:endParaRPr lang="it-IT"/>
           </a:p>
@@ -1318,7 +1318,7 @@
           <a:p>
             <a:fld id="{8587DE71-2471-8442-9CE4-94034AFCA868}" type="datetimeFigureOut">
               <a:rPr lang="it-IT" smtClean="0"/>
-              <a:t>27/06/23</a:t>
+              <a:t>08/07/23</a:t>
             </a:fld>
             <a:endParaRPr lang="it-IT"/>
           </a:p>
@@ -1593,7 +1593,7 @@
           <a:p>
             <a:fld id="{8587DE71-2471-8442-9CE4-94034AFCA868}" type="datetimeFigureOut">
               <a:rPr lang="it-IT" smtClean="0"/>
-              <a:t>27/06/23</a:t>
+              <a:t>08/07/23</a:t>
             </a:fld>
             <a:endParaRPr lang="it-IT"/>
           </a:p>
@@ -1858,7 +1858,7 @@
           <a:p>
             <a:fld id="{8587DE71-2471-8442-9CE4-94034AFCA868}" type="datetimeFigureOut">
               <a:rPr lang="it-IT" smtClean="0"/>
-              <a:t>27/06/23</a:t>
+              <a:t>08/07/23</a:t>
             </a:fld>
             <a:endParaRPr lang="it-IT"/>
           </a:p>
@@ -2270,7 +2270,7 @@
           <a:p>
             <a:fld id="{8587DE71-2471-8442-9CE4-94034AFCA868}" type="datetimeFigureOut">
               <a:rPr lang="it-IT" smtClean="0"/>
-              <a:t>27/06/23</a:t>
+              <a:t>08/07/23</a:t>
             </a:fld>
             <a:endParaRPr lang="it-IT"/>
           </a:p>
@@ -2411,7 +2411,7 @@
           <a:p>
             <a:fld id="{8587DE71-2471-8442-9CE4-94034AFCA868}" type="datetimeFigureOut">
               <a:rPr lang="it-IT" smtClean="0"/>
-              <a:t>27/06/23</a:t>
+              <a:t>08/07/23</a:t>
             </a:fld>
             <a:endParaRPr lang="it-IT"/>
           </a:p>
@@ -2524,7 +2524,7 @@
           <a:p>
             <a:fld id="{8587DE71-2471-8442-9CE4-94034AFCA868}" type="datetimeFigureOut">
               <a:rPr lang="it-IT" smtClean="0"/>
-              <a:t>27/06/23</a:t>
+              <a:t>08/07/23</a:t>
             </a:fld>
             <a:endParaRPr lang="it-IT"/>
           </a:p>
@@ -2835,7 +2835,7 @@
           <a:p>
             <a:fld id="{8587DE71-2471-8442-9CE4-94034AFCA868}" type="datetimeFigureOut">
               <a:rPr lang="it-IT" smtClean="0"/>
-              <a:t>27/06/23</a:t>
+              <a:t>08/07/23</a:t>
             </a:fld>
             <a:endParaRPr lang="it-IT"/>
           </a:p>
@@ -3123,7 +3123,7 @@
           <a:p>
             <a:fld id="{8587DE71-2471-8442-9CE4-94034AFCA868}" type="datetimeFigureOut">
               <a:rPr lang="it-IT" smtClean="0"/>
-              <a:t>27/06/23</a:t>
+              <a:t>08/07/23</a:t>
             </a:fld>
             <a:endParaRPr lang="it-IT"/>
           </a:p>
@@ -3364,7 +3364,7 @@
           <a:p>
             <a:fld id="{8587DE71-2471-8442-9CE4-94034AFCA868}" type="datetimeFigureOut">
               <a:rPr lang="it-IT" smtClean="0"/>
-              <a:t>27/06/23</a:t>
+              <a:t>08/07/23</a:t>
             </a:fld>
             <a:endParaRPr lang="it-IT"/>
           </a:p>
@@ -10106,10 +10106,10 @@
       </p:grpSpPr>
       <p:pic>
         <p:nvPicPr>
-          <p:cNvPr id="7" name="Immagine 6" descr="Immagine che contiene grafico&#10;&#10;Descrizione generata automaticamente">
-            <a:extLst>
-              <a:ext uri="{FF2B5EF4-FFF2-40B4-BE49-F238E27FC236}">
-                <a16:creationId xmlns:a16="http://schemas.microsoft.com/office/drawing/2014/main" id="{2A6ED040-85DD-4EC1-6B8C-904356683F3E}"/>
+          <p:cNvPr id="3" name="Immagine 2">
+            <a:extLst>
+              <a:ext uri="{FF2B5EF4-FFF2-40B4-BE49-F238E27FC236}">
+                <a16:creationId xmlns:a16="http://schemas.microsoft.com/office/drawing/2014/main" id="{64F563A5-FED3-33C3-1E92-EF4BB8438F0A}"/>
               </a:ext>
             </a:extLst>
           </p:cNvPr>
@@ -10126,8 +10126,8 @@
         </p:blipFill>
         <p:spPr>
           <a:xfrm>
-            <a:off x="428522" y="261880"/>
-            <a:ext cx="11334955" cy="6334240"/>
+            <a:off x="463706" y="281542"/>
+            <a:ext cx="11264587" cy="6294916"/>
           </a:xfrm>
           <a:prstGeom prst="rect">
             <a:avLst/>

--- a/presentazione.pptx
+++ b/presentazione.pptx
@@ -5,7 +5,7 @@
     <p:sldMasterId id="2147483648" r:id="rId1"/>
   </p:sldMasterIdLst>
   <p:notesMasterIdLst>
-    <p:notesMasterId r:id="rId22"/>
+    <p:notesMasterId r:id="rId24"/>
   </p:notesMasterIdLst>
   <p:sldIdLst>
     <p:sldId id="256" r:id="rId2"/>
@@ -28,6 +28,8 @@
     <p:sldId id="273" r:id="rId19"/>
     <p:sldId id="274" r:id="rId20"/>
     <p:sldId id="275" r:id="rId21"/>
+    <p:sldId id="276" r:id="rId22"/>
+    <p:sldId id="277" r:id="rId23"/>
   </p:sldIdLst>
   <p:sldSz cx="12192000" cy="6858000"/>
   <p:notesSz cx="6858000" cy="9144000"/>
@@ -216,7 +218,7 @@
           <a:p>
             <a:fld id="{88DA310C-23A3-7647-A087-539F14D3F532}" type="datetimeFigureOut">
               <a:rPr lang="it-IT" smtClean="0"/>
-              <a:t>08/07/23</a:t>
+              <a:t>09/07/23</a:t>
             </a:fld>
             <a:endParaRPr lang="it-IT"/>
           </a:p>
@@ -714,7 +716,7 @@
           <a:p>
             <a:fld id="{8587DE71-2471-8442-9CE4-94034AFCA868}" type="datetimeFigureOut">
               <a:rPr lang="it-IT" smtClean="0"/>
-              <a:t>08/07/23</a:t>
+              <a:t>09/07/23</a:t>
             </a:fld>
             <a:endParaRPr lang="it-IT"/>
           </a:p>
@@ -912,7 +914,7 @@
           <a:p>
             <a:fld id="{8587DE71-2471-8442-9CE4-94034AFCA868}" type="datetimeFigureOut">
               <a:rPr lang="it-IT" smtClean="0"/>
-              <a:t>08/07/23</a:t>
+              <a:t>09/07/23</a:t>
             </a:fld>
             <a:endParaRPr lang="it-IT"/>
           </a:p>
@@ -1120,7 +1122,7 @@
           <a:p>
             <a:fld id="{8587DE71-2471-8442-9CE4-94034AFCA868}" type="datetimeFigureOut">
               <a:rPr lang="it-IT" smtClean="0"/>
-              <a:t>08/07/23</a:t>
+              <a:t>09/07/23</a:t>
             </a:fld>
             <a:endParaRPr lang="it-IT"/>
           </a:p>
@@ -1318,7 +1320,7 @@
           <a:p>
             <a:fld id="{8587DE71-2471-8442-9CE4-94034AFCA868}" type="datetimeFigureOut">
               <a:rPr lang="it-IT" smtClean="0"/>
-              <a:t>08/07/23</a:t>
+              <a:t>09/07/23</a:t>
             </a:fld>
             <a:endParaRPr lang="it-IT"/>
           </a:p>
@@ -1593,7 +1595,7 @@
           <a:p>
             <a:fld id="{8587DE71-2471-8442-9CE4-94034AFCA868}" type="datetimeFigureOut">
               <a:rPr lang="it-IT" smtClean="0"/>
-              <a:t>08/07/23</a:t>
+              <a:t>09/07/23</a:t>
             </a:fld>
             <a:endParaRPr lang="it-IT"/>
           </a:p>
@@ -1858,7 +1860,7 @@
           <a:p>
             <a:fld id="{8587DE71-2471-8442-9CE4-94034AFCA868}" type="datetimeFigureOut">
               <a:rPr lang="it-IT" smtClean="0"/>
-              <a:t>08/07/23</a:t>
+              <a:t>09/07/23</a:t>
             </a:fld>
             <a:endParaRPr lang="it-IT"/>
           </a:p>
@@ -2270,7 +2272,7 @@
           <a:p>
             <a:fld id="{8587DE71-2471-8442-9CE4-94034AFCA868}" type="datetimeFigureOut">
               <a:rPr lang="it-IT" smtClean="0"/>
-              <a:t>08/07/23</a:t>
+              <a:t>09/07/23</a:t>
             </a:fld>
             <a:endParaRPr lang="it-IT"/>
           </a:p>
@@ -2411,7 +2413,7 @@
           <a:p>
             <a:fld id="{8587DE71-2471-8442-9CE4-94034AFCA868}" type="datetimeFigureOut">
               <a:rPr lang="it-IT" smtClean="0"/>
-              <a:t>08/07/23</a:t>
+              <a:t>09/07/23</a:t>
             </a:fld>
             <a:endParaRPr lang="it-IT"/>
           </a:p>
@@ -2524,7 +2526,7 @@
           <a:p>
             <a:fld id="{8587DE71-2471-8442-9CE4-94034AFCA868}" type="datetimeFigureOut">
               <a:rPr lang="it-IT" smtClean="0"/>
-              <a:t>08/07/23</a:t>
+              <a:t>09/07/23</a:t>
             </a:fld>
             <a:endParaRPr lang="it-IT"/>
           </a:p>
@@ -2835,7 +2837,7 @@
           <a:p>
             <a:fld id="{8587DE71-2471-8442-9CE4-94034AFCA868}" type="datetimeFigureOut">
               <a:rPr lang="it-IT" smtClean="0"/>
-              <a:t>08/07/23</a:t>
+              <a:t>09/07/23</a:t>
             </a:fld>
             <a:endParaRPr lang="it-IT"/>
           </a:p>
@@ -3123,7 +3125,7 @@
           <a:p>
             <a:fld id="{8587DE71-2471-8442-9CE4-94034AFCA868}" type="datetimeFigureOut">
               <a:rPr lang="it-IT" smtClean="0"/>
-              <a:t>08/07/23</a:t>
+              <a:t>09/07/23</a:t>
             </a:fld>
             <a:endParaRPr lang="it-IT"/>
           </a:p>
@@ -3364,7 +3366,7 @@
           <a:p>
             <a:fld id="{8587DE71-2471-8442-9CE4-94034AFCA868}" type="datetimeFigureOut">
               <a:rPr lang="it-IT" smtClean="0"/>
-              <a:t>08/07/23</a:t>
+              <a:t>09/07/23</a:t>
             </a:fld>
             <a:endParaRPr lang="it-IT"/>
           </a:p>
@@ -7819,6 +7821,412 @@
     <p:extLst>
       <p:ext uri="{BB962C8B-B14F-4D97-AF65-F5344CB8AC3E}">
         <p14:creationId xmlns:p14="http://schemas.microsoft.com/office/powerpoint/2010/main" val="3170082090"/>
+      </p:ext>
+    </p:extLst>
+  </p:cSld>
+  <p:clrMapOvr>
+    <a:masterClrMapping/>
+  </p:clrMapOvr>
+</p:sld>
+</file>
+
+<file path=ppt/slides/slide21.xml><?xml version="1.0" encoding="utf-8"?>
+<p:sld xmlns:a="http://schemas.openxmlformats.org/drawingml/2006/main" xmlns:r="http://schemas.openxmlformats.org/officeDocument/2006/relationships" xmlns:p="http://schemas.openxmlformats.org/presentationml/2006/main">
+  <p:cSld>
+    <p:spTree>
+      <p:nvGrpSpPr>
+        <p:cNvPr id="1" name=""/>
+        <p:cNvGrpSpPr/>
+        <p:nvPr/>
+      </p:nvGrpSpPr>
+      <p:grpSpPr>
+        <a:xfrm>
+          <a:off x="0" y="0"/>
+          <a:ext cx="0" cy="0"/>
+          <a:chOff x="0" y="0"/>
+          <a:chExt cx="0" cy="0"/>
+        </a:xfrm>
+      </p:grpSpPr>
+      <p:sp>
+        <p:nvSpPr>
+          <p:cNvPr id="2" name="Titolo 1">
+            <a:extLst>
+              <a:ext uri="{FF2B5EF4-FFF2-40B4-BE49-F238E27FC236}">
+                <a16:creationId xmlns:a16="http://schemas.microsoft.com/office/drawing/2014/main" id="{BFB7EB96-D2CB-00AB-F789-526CB5EDFC10}"/>
+              </a:ext>
+            </a:extLst>
+          </p:cNvPr>
+          <p:cNvSpPr>
+            <a:spLocks noGrp="1"/>
+          </p:cNvSpPr>
+          <p:nvPr>
+            <p:ph type="title"/>
+          </p:nvPr>
+        </p:nvSpPr>
+        <p:spPr/>
+        <p:txBody>
+          <a:bodyPr/>
+          <a:lstStyle/>
+          <a:p>
+            <a:r>
+              <a:rPr lang="it-IT" dirty="0">
+                <a:solidFill>
+                  <a:srgbClr val="FF5952"/>
+                </a:solidFill>
+                <a:latin typeface="JetBrains Mono" panose="02000009000000000000" pitchFamily="49" charset="0"/>
+                <a:cs typeface="JetBrains Mono" panose="02000009000000000000" pitchFamily="49" charset="0"/>
+              </a:rPr>
+              <a:t>Sitografia</a:t>
+            </a:r>
+          </a:p>
+        </p:txBody>
+      </p:sp>
+      <p:sp>
+        <p:nvSpPr>
+          <p:cNvPr id="3" name="Segnaposto contenuto 2">
+            <a:extLst>
+              <a:ext uri="{FF2B5EF4-FFF2-40B4-BE49-F238E27FC236}">
+                <a16:creationId xmlns:a16="http://schemas.microsoft.com/office/drawing/2014/main" id="{2FEC169E-4D22-41DC-A6E2-416B1FAA5E33}"/>
+              </a:ext>
+            </a:extLst>
+          </p:cNvPr>
+          <p:cNvSpPr>
+            <a:spLocks noGrp="1"/>
+          </p:cNvSpPr>
+          <p:nvPr>
+            <p:ph idx="1"/>
+          </p:nvPr>
+        </p:nvSpPr>
+        <p:spPr/>
+        <p:txBody>
+          <a:bodyPr/>
+          <a:lstStyle/>
+          <a:p>
+            <a:r>
+              <a:rPr lang="it-IT" dirty="0">
+                <a:latin typeface="JetBrains Mono" panose="02000009000000000000" pitchFamily="49" charset="0"/>
+                <a:cs typeface="JetBrains Mono" panose="02000009000000000000" pitchFamily="49" charset="0"/>
+              </a:rPr>
+              <a:t>Dataset</a:t>
+            </a:r>
+          </a:p>
+          <a:p>
+            <a:pPr marL="0" indent="0">
+              <a:buNone/>
+            </a:pPr>
+            <a:r>
+              <a:rPr lang="it-IT" dirty="0">
+                <a:latin typeface="JetBrains Mono" panose="02000009000000000000" pitchFamily="49" charset="0"/>
+                <a:cs typeface="JetBrains Mono" panose="02000009000000000000" pitchFamily="49" charset="0"/>
+              </a:rPr>
+              <a:t>	</a:t>
+            </a:r>
+            <a:r>
+              <a:rPr lang="it-IT" sz="1800" i="1" dirty="0">
+                <a:latin typeface="JetBrains Mono" panose="02000009000000000000" pitchFamily="49" charset="0"/>
+                <a:cs typeface="JetBrains Mono" panose="02000009000000000000" pitchFamily="49" charset="0"/>
+                <a:hlinkClick r:id="rId2"/>
+              </a:rPr>
+              <a:t>https://scryfall.com/docs/api/bulk-data</a:t>
+            </a:r>
+            <a:endParaRPr lang="it-IT" sz="1800" i="1" dirty="0">
+              <a:latin typeface="JetBrains Mono" panose="02000009000000000000" pitchFamily="49" charset="0"/>
+              <a:cs typeface="JetBrains Mono" panose="02000009000000000000" pitchFamily="49" charset="0"/>
+            </a:endParaRPr>
+          </a:p>
+          <a:p>
+            <a:pPr marL="0" indent="0">
+              <a:buNone/>
+            </a:pPr>
+            <a:r>
+              <a:rPr lang="it-IT" sz="2000" dirty="0">
+                <a:latin typeface="JetBrains Mono" panose="02000009000000000000" pitchFamily="49" charset="0"/>
+                <a:cs typeface="JetBrains Mono" panose="02000009000000000000" pitchFamily="49" charset="0"/>
+              </a:rPr>
+              <a:t>	</a:t>
+            </a:r>
+            <a:r>
+              <a:rPr lang="it-IT" sz="1800" dirty="0">
+                <a:latin typeface="JetBrains Mono" panose="02000009000000000000" pitchFamily="49" charset="0"/>
+                <a:cs typeface="JetBrains Mono" panose="02000009000000000000" pitchFamily="49" charset="0"/>
+              </a:rPr>
+              <a:t>Il dataset utilizzato è quello scaricabile alla voce </a:t>
+            </a:r>
+            <a:r>
+              <a:rPr lang="it-IT" sz="1800" i="1" dirty="0">
+                <a:latin typeface="JetBrains Mono" panose="02000009000000000000" pitchFamily="49" charset="0"/>
+                <a:cs typeface="JetBrains Mono" panose="02000009000000000000" pitchFamily="49" charset="0"/>
+              </a:rPr>
+              <a:t>Default Cards</a:t>
+            </a:r>
+          </a:p>
+          <a:p>
+            <a:pPr marL="0" indent="0">
+              <a:buNone/>
+            </a:pPr>
+            <a:endParaRPr lang="it-IT" sz="1800" i="1" dirty="0">
+              <a:latin typeface="JetBrains Mono" panose="02000009000000000000" pitchFamily="49" charset="0"/>
+              <a:cs typeface="JetBrains Mono" panose="02000009000000000000" pitchFamily="49" charset="0"/>
+            </a:endParaRPr>
+          </a:p>
+          <a:p>
+            <a:r>
+              <a:rPr lang="it-IT" i="1" dirty="0">
+                <a:latin typeface="JetBrains Mono" panose="02000009000000000000" pitchFamily="49" charset="0"/>
+                <a:cs typeface="JetBrains Mono" panose="02000009000000000000" pitchFamily="49" charset="0"/>
+              </a:rPr>
+              <a:t>GitHub</a:t>
+            </a:r>
+          </a:p>
+          <a:p>
+            <a:pPr marL="0" indent="0">
+              <a:buNone/>
+            </a:pPr>
+            <a:r>
+              <a:rPr lang="it-IT" sz="1800" i="1" dirty="0">
+                <a:latin typeface="JetBrains Mono" panose="02000009000000000000" pitchFamily="49" charset="0"/>
+                <a:cs typeface="JetBrains Mono" panose="02000009000000000000" pitchFamily="49" charset="0"/>
+              </a:rPr>
+              <a:t>	</a:t>
+            </a:r>
+            <a:r>
+              <a:rPr lang="it-IT" sz="1800" i="1" dirty="0">
+                <a:latin typeface="JetBrains Mono" panose="02000009000000000000" pitchFamily="49" charset="0"/>
+                <a:cs typeface="JetBrains Mono" panose="02000009000000000000" pitchFamily="49" charset="0"/>
+                <a:hlinkClick r:id="rId3"/>
+              </a:rPr>
+              <a:t>https://github.com/leonardosolari/SciViz-MTG</a:t>
+            </a:r>
+            <a:endParaRPr lang="it-IT" sz="1800" i="1" dirty="0">
+              <a:latin typeface="JetBrains Mono" panose="02000009000000000000" pitchFamily="49" charset="0"/>
+              <a:cs typeface="JetBrains Mono" panose="02000009000000000000" pitchFamily="49" charset="0"/>
+            </a:endParaRPr>
+          </a:p>
+          <a:p>
+            <a:pPr marL="0" indent="0">
+              <a:buNone/>
+            </a:pPr>
+            <a:endParaRPr lang="it-IT" sz="1800" i="1" dirty="0">
+              <a:latin typeface="JetBrains Mono" panose="02000009000000000000" pitchFamily="49" charset="0"/>
+              <a:cs typeface="JetBrains Mono" panose="02000009000000000000" pitchFamily="49" charset="0"/>
+            </a:endParaRPr>
+          </a:p>
+          <a:p>
+            <a:pPr marL="0" indent="0">
+              <a:buNone/>
+            </a:pPr>
+            <a:endParaRPr lang="it-IT" sz="1800" i="1" dirty="0">
+              <a:latin typeface="JetBrains Mono" panose="02000009000000000000" pitchFamily="49" charset="0"/>
+              <a:cs typeface="JetBrains Mono" panose="02000009000000000000" pitchFamily="49" charset="0"/>
+            </a:endParaRPr>
+          </a:p>
+          <a:p>
+            <a:r>
+              <a:rPr lang="it-IT" i="1" dirty="0">
+                <a:latin typeface="JetBrains Mono" panose="02000009000000000000" pitchFamily="49" charset="0"/>
+                <a:cs typeface="JetBrains Mono" panose="02000009000000000000" pitchFamily="49" charset="0"/>
+              </a:rPr>
+              <a:t>Tool colori</a:t>
+            </a:r>
+          </a:p>
+          <a:p>
+            <a:pPr marL="457200" lvl="1" indent="0">
+              <a:buNone/>
+            </a:pPr>
+            <a:r>
+              <a:rPr lang="it-IT" i="1" dirty="0">
+                <a:latin typeface="JetBrains Mono" panose="02000009000000000000" pitchFamily="49" charset="0"/>
+                <a:cs typeface="JetBrains Mono" panose="02000009000000000000" pitchFamily="49" charset="0"/>
+              </a:rPr>
+              <a:t>	</a:t>
+            </a:r>
+            <a:r>
+              <a:rPr lang="it-IT" sz="1800" i="1" dirty="0">
+                <a:latin typeface="JetBrains Mono" panose="02000009000000000000" pitchFamily="49" charset="0"/>
+                <a:cs typeface="JetBrains Mono" panose="02000009000000000000" pitchFamily="49" charset="0"/>
+                <a:hlinkClick r:id="rId4"/>
+              </a:rPr>
+              <a:t>https://</a:t>
+            </a:r>
+            <a:r>
+              <a:rPr lang="it-IT" sz="1800" i="1" dirty="0" err="1">
+                <a:latin typeface="JetBrains Mono" panose="02000009000000000000" pitchFamily="49" charset="0"/>
+                <a:cs typeface="JetBrains Mono" panose="02000009000000000000" pitchFamily="49" charset="0"/>
+                <a:hlinkClick r:id="rId4"/>
+              </a:rPr>
+              <a:t>www.color-blindness.com</a:t>
+            </a:r>
+            <a:r>
+              <a:rPr lang="it-IT" sz="1800" i="1" dirty="0">
+                <a:latin typeface="JetBrains Mono" panose="02000009000000000000" pitchFamily="49" charset="0"/>
+                <a:cs typeface="JetBrains Mono" panose="02000009000000000000" pitchFamily="49" charset="0"/>
+                <a:hlinkClick r:id="rId4"/>
+              </a:rPr>
+              <a:t>/</a:t>
+            </a:r>
+            <a:r>
+              <a:rPr lang="it-IT" sz="1800" i="1" dirty="0" err="1">
+                <a:latin typeface="JetBrains Mono" panose="02000009000000000000" pitchFamily="49" charset="0"/>
+                <a:cs typeface="JetBrains Mono" panose="02000009000000000000" pitchFamily="49" charset="0"/>
+                <a:hlinkClick r:id="rId4"/>
+              </a:rPr>
+              <a:t>coblis</a:t>
+            </a:r>
+            <a:r>
+              <a:rPr lang="it-IT" sz="1800" i="1" dirty="0">
+                <a:latin typeface="JetBrains Mono" panose="02000009000000000000" pitchFamily="49" charset="0"/>
+                <a:cs typeface="JetBrains Mono" panose="02000009000000000000" pitchFamily="49" charset="0"/>
+                <a:hlinkClick r:id="rId4"/>
+              </a:rPr>
+              <a:t>-color-</a:t>
+            </a:r>
+            <a:r>
+              <a:rPr lang="it-IT" sz="1800" i="1" dirty="0" err="1">
+                <a:latin typeface="JetBrains Mono" panose="02000009000000000000" pitchFamily="49" charset="0"/>
+                <a:cs typeface="JetBrains Mono" panose="02000009000000000000" pitchFamily="49" charset="0"/>
+                <a:hlinkClick r:id="rId4"/>
+              </a:rPr>
+              <a:t>blindness</a:t>
+            </a:r>
+            <a:r>
+              <a:rPr lang="it-IT" sz="1800" i="1" dirty="0">
+                <a:latin typeface="JetBrains Mono" panose="02000009000000000000" pitchFamily="49" charset="0"/>
+                <a:cs typeface="JetBrains Mono" panose="02000009000000000000" pitchFamily="49" charset="0"/>
+                <a:hlinkClick r:id="rId4"/>
+              </a:rPr>
+              <a:t>-simulator/</a:t>
+            </a:r>
+            <a:endParaRPr lang="it-IT" sz="1800" i="1" dirty="0">
+              <a:latin typeface="JetBrains Mono" panose="02000009000000000000" pitchFamily="49" charset="0"/>
+              <a:cs typeface="JetBrains Mono" panose="02000009000000000000" pitchFamily="49" charset="0"/>
+            </a:endParaRPr>
+          </a:p>
+          <a:p>
+            <a:pPr marL="0" indent="0">
+              <a:buNone/>
+            </a:pPr>
+            <a:endParaRPr lang="it-IT" sz="1800" i="1" dirty="0">
+              <a:latin typeface="JetBrains Mono" panose="02000009000000000000" pitchFamily="49" charset="0"/>
+              <a:cs typeface="JetBrains Mono" panose="02000009000000000000" pitchFamily="49" charset="0"/>
+            </a:endParaRPr>
+          </a:p>
+          <a:p>
+            <a:pPr marL="0" indent="0">
+              <a:buNone/>
+            </a:pPr>
+            <a:endParaRPr lang="it-IT" sz="2000" dirty="0">
+              <a:latin typeface="JetBrains Mono" panose="02000009000000000000" pitchFamily="49" charset="0"/>
+              <a:cs typeface="JetBrains Mono" panose="02000009000000000000" pitchFamily="49" charset="0"/>
+            </a:endParaRPr>
+          </a:p>
+        </p:txBody>
+      </p:sp>
+    </p:spTree>
+    <p:extLst>
+      <p:ext uri="{BB962C8B-B14F-4D97-AF65-F5344CB8AC3E}">
+        <p14:creationId xmlns:p14="http://schemas.microsoft.com/office/powerpoint/2010/main" val="2042283973"/>
+      </p:ext>
+    </p:extLst>
+  </p:cSld>
+  <p:clrMapOvr>
+    <a:masterClrMapping/>
+  </p:clrMapOvr>
+</p:sld>
+</file>
+
+<file path=ppt/slides/slide22.xml><?xml version="1.0" encoding="utf-8"?>
+<p:sld xmlns:a="http://schemas.openxmlformats.org/drawingml/2006/main" xmlns:r="http://schemas.openxmlformats.org/officeDocument/2006/relationships" xmlns:p="http://schemas.openxmlformats.org/presentationml/2006/main">
+  <p:cSld>
+    <p:spTree>
+      <p:nvGrpSpPr>
+        <p:cNvPr id="1" name=""/>
+        <p:cNvGrpSpPr/>
+        <p:nvPr/>
+      </p:nvGrpSpPr>
+      <p:grpSpPr>
+        <a:xfrm>
+          <a:off x="0" y="0"/>
+          <a:ext cx="0" cy="0"/>
+          <a:chOff x="0" y="0"/>
+          <a:chExt cx="0" cy="0"/>
+        </a:xfrm>
+      </p:grpSpPr>
+      <p:sp>
+        <p:nvSpPr>
+          <p:cNvPr id="2" name="Titolo 1">
+            <a:extLst>
+              <a:ext uri="{FF2B5EF4-FFF2-40B4-BE49-F238E27FC236}">
+                <a16:creationId xmlns:a16="http://schemas.microsoft.com/office/drawing/2014/main" id="{D331D1BC-3D74-D3B4-0F8D-06BD56DF0290}"/>
+              </a:ext>
+            </a:extLst>
+          </p:cNvPr>
+          <p:cNvSpPr>
+            <a:spLocks noGrp="1"/>
+          </p:cNvSpPr>
+          <p:nvPr>
+            <p:ph type="title"/>
+          </p:nvPr>
+        </p:nvSpPr>
+        <p:spPr>
+          <a:xfrm>
+            <a:off x="838199" y="1480584"/>
+            <a:ext cx="10515600" cy="1325563"/>
+          </a:xfrm>
+        </p:spPr>
+        <p:txBody>
+          <a:bodyPr>
+            <a:normAutofit/>
+          </a:bodyPr>
+          <a:lstStyle/>
+          <a:p>
+            <a:pPr algn="ctr"/>
+            <a:r>
+              <a:rPr lang="it-IT" sz="5400" dirty="0">
+                <a:solidFill>
+                  <a:srgbClr val="FF5952"/>
+                </a:solidFill>
+                <a:latin typeface="JetBrains Mono" panose="02000009000000000000" pitchFamily="49" charset="0"/>
+                <a:cs typeface="JetBrains Mono" panose="02000009000000000000" pitchFamily="49" charset="0"/>
+              </a:rPr>
+              <a:t>Grazie per l’attenzione!</a:t>
+            </a:r>
+          </a:p>
+        </p:txBody>
+      </p:sp>
+      <p:pic>
+        <p:nvPicPr>
+          <p:cNvPr id="5" name="Immagine 4">
+            <a:extLst>
+              <a:ext uri="{FF2B5EF4-FFF2-40B4-BE49-F238E27FC236}">
+                <a16:creationId xmlns:a16="http://schemas.microsoft.com/office/drawing/2014/main" id="{641AE8FB-1952-C007-6340-9CCBFD82E3AE}"/>
+              </a:ext>
+            </a:extLst>
+          </p:cNvPr>
+          <p:cNvPicPr>
+            <a:picLocks noChangeAspect="1"/>
+          </p:cNvPicPr>
+          <p:nvPr/>
+        </p:nvPicPr>
+        <p:blipFill>
+          <a:blip r:embed="rId2"/>
+          <a:stretch>
+            <a:fillRect/>
+          </a:stretch>
+        </p:blipFill>
+        <p:spPr>
+          <a:xfrm>
+            <a:off x="4766209" y="2806147"/>
+            <a:ext cx="2659579" cy="2659579"/>
+          </a:xfrm>
+          <a:prstGeom prst="rect">
+            <a:avLst/>
+          </a:prstGeom>
+        </p:spPr>
+      </p:pic>
+    </p:spTree>
+    <p:extLst>
+      <p:ext uri="{BB962C8B-B14F-4D97-AF65-F5344CB8AC3E}">
+        <p14:creationId xmlns:p14="http://schemas.microsoft.com/office/powerpoint/2010/main" val="3444319513"/>
       </p:ext>
     </p:extLst>
   </p:cSld>
